--- a/Slides/Ders 5.1 Design 2NF.pptx
+++ b/Slides/Ders 5.1 Design 2NF.pptx
@@ -5,7 +5,7 @@
     <p:sldMasterId id="2147483660" r:id="rId1"/>
   </p:sldMasterIdLst>
   <p:notesMasterIdLst>
-    <p:notesMasterId r:id="rId7"/>
+    <p:notesMasterId r:id="rId8"/>
   </p:notesMasterIdLst>
   <p:sldIdLst>
     <p:sldId id="256" r:id="rId2"/>
@@ -13,6 +13,7 @@
     <p:sldId id="276" r:id="rId4"/>
     <p:sldId id="277" r:id="rId5"/>
     <p:sldId id="278" r:id="rId6"/>
+    <p:sldId id="279" r:id="rId7"/>
   </p:sldIdLst>
   <p:sldSz cx="9144000" cy="6858000" type="screen4x3"/>
   <p:notesSz cx="6858000" cy="9144000"/>
@@ -201,7 +202,7 @@
           <a:p>
             <a:fld id="{DD4244C5-5D67-C540-97C4-F007CFC432EF}" type="datetimeFigureOut">
               <a:rPr lang="tr-TR" smtClean="0"/>
-              <a:t>19.02.2024</a:t>
+              <a:t>20.02.2024</a:t>
             </a:fld>
             <a:endParaRPr lang="tr-TR"/>
           </a:p>
@@ -600,7 +601,7 @@
           <a:p>
             <a:fld id="{26396F4E-1D0B-3F44-AA0F-A3430AE5742F}" type="datetimeFigureOut">
               <a:rPr lang="tr-TR" smtClean="0"/>
-              <a:t>19.02.2024</a:t>
+              <a:t>20.02.2024</a:t>
             </a:fld>
             <a:endParaRPr lang="tr-TR"/>
           </a:p>
@@ -770,7 +771,7 @@
           <a:p>
             <a:fld id="{26396F4E-1D0B-3F44-AA0F-A3430AE5742F}" type="datetimeFigureOut">
               <a:rPr lang="tr-TR" smtClean="0"/>
-              <a:t>19.02.2024</a:t>
+              <a:t>20.02.2024</a:t>
             </a:fld>
             <a:endParaRPr lang="tr-TR"/>
           </a:p>
@@ -950,7 +951,7 @@
           <a:p>
             <a:fld id="{26396F4E-1D0B-3F44-AA0F-A3430AE5742F}" type="datetimeFigureOut">
               <a:rPr lang="tr-TR" smtClean="0"/>
-              <a:t>19.02.2024</a:t>
+              <a:t>20.02.2024</a:t>
             </a:fld>
             <a:endParaRPr lang="tr-TR"/>
           </a:p>
@@ -1120,7 +1121,7 @@
           <a:p>
             <a:fld id="{26396F4E-1D0B-3F44-AA0F-A3430AE5742F}" type="datetimeFigureOut">
               <a:rPr lang="tr-TR" smtClean="0"/>
-              <a:t>19.02.2024</a:t>
+              <a:t>20.02.2024</a:t>
             </a:fld>
             <a:endParaRPr lang="tr-TR"/>
           </a:p>
@@ -1364,7 +1365,7 @@
           <a:p>
             <a:fld id="{26396F4E-1D0B-3F44-AA0F-A3430AE5742F}" type="datetimeFigureOut">
               <a:rPr lang="tr-TR" smtClean="0"/>
-              <a:t>19.02.2024</a:t>
+              <a:t>20.02.2024</a:t>
             </a:fld>
             <a:endParaRPr lang="tr-TR"/>
           </a:p>
@@ -1596,7 +1597,7 @@
           <a:p>
             <a:fld id="{26396F4E-1D0B-3F44-AA0F-A3430AE5742F}" type="datetimeFigureOut">
               <a:rPr lang="tr-TR" smtClean="0"/>
-              <a:t>19.02.2024</a:t>
+              <a:t>20.02.2024</a:t>
             </a:fld>
             <a:endParaRPr lang="tr-TR"/>
           </a:p>
@@ -1963,7 +1964,7 @@
           <a:p>
             <a:fld id="{26396F4E-1D0B-3F44-AA0F-A3430AE5742F}" type="datetimeFigureOut">
               <a:rPr lang="tr-TR" smtClean="0"/>
-              <a:t>19.02.2024</a:t>
+              <a:t>20.02.2024</a:t>
             </a:fld>
             <a:endParaRPr lang="tr-TR"/>
           </a:p>
@@ -2081,7 +2082,7 @@
           <a:p>
             <a:fld id="{26396F4E-1D0B-3F44-AA0F-A3430AE5742F}" type="datetimeFigureOut">
               <a:rPr lang="tr-TR" smtClean="0"/>
-              <a:t>19.02.2024</a:t>
+              <a:t>20.02.2024</a:t>
             </a:fld>
             <a:endParaRPr lang="tr-TR"/>
           </a:p>
@@ -2176,7 +2177,7 @@
           <a:p>
             <a:fld id="{26396F4E-1D0B-3F44-AA0F-A3430AE5742F}" type="datetimeFigureOut">
               <a:rPr lang="tr-TR" smtClean="0"/>
-              <a:t>19.02.2024</a:t>
+              <a:t>20.02.2024</a:t>
             </a:fld>
             <a:endParaRPr lang="tr-TR"/>
           </a:p>
@@ -2453,7 +2454,7 @@
           <a:p>
             <a:fld id="{26396F4E-1D0B-3F44-AA0F-A3430AE5742F}" type="datetimeFigureOut">
               <a:rPr lang="tr-TR" smtClean="0"/>
-              <a:t>19.02.2024</a:t>
+              <a:t>20.02.2024</a:t>
             </a:fld>
             <a:endParaRPr lang="tr-TR"/>
           </a:p>
@@ -2710,7 +2711,7 @@
           <a:p>
             <a:fld id="{26396F4E-1D0B-3F44-AA0F-A3430AE5742F}" type="datetimeFigureOut">
               <a:rPr lang="tr-TR" smtClean="0"/>
-              <a:t>19.02.2024</a:t>
+              <a:t>20.02.2024</a:t>
             </a:fld>
             <a:endParaRPr lang="tr-TR"/>
           </a:p>
@@ -2923,7 +2924,7 @@
           <a:p>
             <a:fld id="{26396F4E-1D0B-3F44-AA0F-A3430AE5742F}" type="datetimeFigureOut">
               <a:rPr lang="tr-TR" smtClean="0"/>
-              <a:t>19.02.2024</a:t>
+              <a:t>20.02.2024</a:t>
             </a:fld>
             <a:endParaRPr lang="tr-TR"/>
           </a:p>
@@ -4054,7 +4055,7 @@
           <p:nvPr>
             <p:extLst>
               <p:ext uri="{D42A27DB-BD31-4B8C-83A1-F6EECF244321}">
-                <p14:modId xmlns:p14="http://schemas.microsoft.com/office/powerpoint/2010/main" val="1364755861"/>
+                <p14:modId xmlns:p14="http://schemas.microsoft.com/office/powerpoint/2010/main" val="4246203377"/>
               </p:ext>
             </p:extLst>
           </p:nvPr>
@@ -4146,7 +4147,7 @@
                     <a:p>
                       <a:r>
                         <a:rPr lang="en-TR" u="none" dirty="0"/>
-                        <a:t>derece</a:t>
+                        <a:t>seviye</a:t>
                       </a:r>
                     </a:p>
                   </a:txBody>
@@ -4788,7 +4789,7 @@
           <p:nvPr>
             <p:extLst>
               <p:ext uri="{D42A27DB-BD31-4B8C-83A1-F6EECF244321}">
-                <p14:modId xmlns:p14="http://schemas.microsoft.com/office/powerpoint/2010/main" val="1605658993"/>
+                <p14:modId xmlns:p14="http://schemas.microsoft.com/office/powerpoint/2010/main" val="445764530"/>
               </p:ext>
             </p:extLst>
           </p:nvPr>
@@ -4880,7 +4881,7 @@
                     <a:p>
                       <a:r>
                         <a:rPr lang="en-TR" u="none" dirty="0"/>
-                        <a:t>derece</a:t>
+                        <a:t>seviye</a:t>
                       </a:r>
                     </a:p>
                   </a:txBody>
@@ -5435,7 +5436,7 @@
             </a:pPr>
             <a:r>
               <a:rPr lang="en-TR" dirty="0"/>
-              <a:t>Oyun sırasında c@d’nin pusula ve halatları tablodan silindiğinde, bu oyuncunun derece bilgisi de siliniyor. (Silme anomalisi)</a:t>
+              <a:t>Oyun sırasında c@d’nin pusula ve halatları tablodan silindiğinde, bu oyuncunun seviye bilgisi de siliniyor. (Silme anomalisi)</a:t>
             </a:r>
           </a:p>
           <a:p>
@@ -5484,7 +5485,7 @@
             </a:r>
             <a:r>
               <a:rPr lang="en-TR" dirty="0"/>
-              <a:t>maili a@b, envanteri ışınlanma olan oyuncunun dercesini “usta” olarak güncellediğimizde, (a@b, ilk yardım) satırındaki derece bilgisi “acemi” olarak kalmaya devam edecektir. (Güncelleme anomalisi)</a:t>
+              <a:t>maili a@b, envanteri ışınlanma olan oyuncunun seviyesini “usta” olarak güncellediğimizde, (a@b, ilk yardım) satırındaki seviye bilgisi “acemi” olarak kalmaya devam edecektir. (Güncelleme anomalisi)</a:t>
             </a:r>
           </a:p>
         </p:txBody>
@@ -5568,7 +5569,7 @@
         <p:spPr>
           <a:xfrm>
             <a:off x="628650" y="1690689"/>
-            <a:ext cx="7886700" cy="4549835"/>
+            <a:ext cx="7886700" cy="4661276"/>
           </a:xfrm>
           <a:prstGeom prst="rect">
             <a:avLst/>
@@ -5580,6 +5581,51 @@
             <a:spAutoFit/>
           </a:bodyPr>
           <a:lstStyle/>
+          <a:p>
+            <a:pPr>
+              <a:lnSpc>
+                <a:spcPct val="150000"/>
+              </a:lnSpc>
+            </a:pPr>
+            <a:r>
+              <a:rPr lang="en-TR" sz="2000" dirty="0"/>
+              <a:t>Bir tablonun 2. normal formu sağlaması için:</a:t>
+            </a:r>
+          </a:p>
+          <a:p>
+            <a:pPr marL="514350" indent="-514350">
+              <a:lnSpc>
+                <a:spcPct val="150000"/>
+              </a:lnSpc>
+              <a:buFont typeface="+mj-lt"/>
+              <a:buAutoNum type="arabicPeriod"/>
+            </a:pPr>
+            <a:r>
+              <a:rPr lang="en-TR" sz="2000" dirty="0"/>
+              <a:t>Tablonun 1NF’yi sağlaması ve tek bir nitelikten oluşan bir anahtarının olması veya</a:t>
+            </a:r>
+          </a:p>
+          <a:p>
+            <a:pPr marL="514350" indent="-514350">
+              <a:lnSpc>
+                <a:spcPct val="150000"/>
+              </a:lnSpc>
+              <a:buFont typeface="+mj-lt"/>
+              <a:buAutoNum type="arabicPeriod"/>
+            </a:pPr>
+            <a:r>
+              <a:rPr lang="en-TR" sz="2000" dirty="0"/>
+              <a:t>Tablonun 1NF’yi sağlaması ve birincil anahtar olmayan her niteliğin birincil anahtarı oluşturan niteliklerin </a:t>
+            </a:r>
+            <a:r>
+              <a:rPr lang="en-TR" sz="2000" b="1" u="sng" dirty="0"/>
+              <a:t>tümüne</a:t>
+            </a:r>
+            <a:r>
+              <a:rPr lang="en-TR" sz="2000" dirty="0"/>
+              <a:t> bağlı olması gerekmektedir.</a:t>
+            </a:r>
+          </a:p>
           <a:p>
             <a:pPr marL="342900" indent="-342900">
               <a:lnSpc>
@@ -5589,16 +5635,52 @@
               <a:buChar char="•"/>
             </a:pPr>
             <a:r>
-              <a:rPr lang="en-TR" sz="2800" dirty="0"/>
-              <a:t>Bir tablonun 2. normal foma uygun olması için: Birincil anahtar olmayan her nitelik, birincil anahtarın </a:t>
-            </a:r>
-            <a:r>
-              <a:rPr lang="en-TR" sz="2800" b="1" u="sng" dirty="0"/>
-              <a:t>tümüne</a:t>
-            </a:r>
-            <a:r>
-              <a:rPr lang="en-TR" sz="2800" dirty="0"/>
-              <a:t> bağlı olmalıdır.</a:t>
+              <a:rPr lang="en-TR" sz="2000" dirty="0"/>
+              <a:t>1NF’</a:t>
+            </a:r>
+            <a:r>
+              <a:rPr lang="en-US" sz="2000" dirty="0" err="1"/>
+              <a:t>yi</a:t>
+            </a:r>
+            <a:r>
+              <a:rPr lang="en-US" sz="2000" dirty="0"/>
+              <a:t> </a:t>
+            </a:r>
+            <a:r>
+              <a:rPr lang="en-US" sz="2000" dirty="0" err="1"/>
+              <a:t>ihlal</a:t>
+            </a:r>
+            <a:r>
+              <a:rPr lang="en-US" sz="2000" dirty="0"/>
+              <a:t> </a:t>
+            </a:r>
+            <a:r>
+              <a:rPr lang="en-US" sz="2000" dirty="0" err="1"/>
+              <a:t>eden</a:t>
+            </a:r>
+            <a:r>
+              <a:rPr lang="en-US" sz="2000" dirty="0"/>
+              <a:t> </a:t>
+            </a:r>
+            <a:r>
+              <a:rPr lang="en-US" sz="2000" dirty="0" err="1"/>
+              <a:t>bir</a:t>
+            </a:r>
+            <a:r>
+              <a:rPr lang="en-US" sz="2000" dirty="0"/>
+              <a:t> </a:t>
+            </a:r>
+            <a:r>
+              <a:rPr lang="en-US" sz="2000" dirty="0" err="1"/>
+              <a:t>ilişki</a:t>
+            </a:r>
+            <a:r>
+              <a:rPr lang="en-US" sz="2000" dirty="0"/>
+              <a:t> 2NF’</a:t>
+            </a:r>
+            <a:r>
+              <a:rPr lang="en-TR" sz="2000" dirty="0"/>
+              <a:t>yi de ihlal eder.</a:t>
             </a:r>
           </a:p>
           <a:p>
@@ -5610,65 +5692,8 @@
               <a:buChar char="•"/>
             </a:pPr>
             <a:r>
-              <a:rPr lang="en-TR" sz="2800" dirty="0"/>
+              <a:rPr lang="en-TR" sz="2000" dirty="0"/>
               <a:t>Birincil anahtar olmayan bir nitelik, birincil anahtarın tümüne değil; sadece birincil anahtarın bir alt kümesine bağlıysa bu ilişki 2NF’yi ihlal eder.</a:t>
-            </a:r>
-          </a:p>
-          <a:p>
-            <a:pPr marL="342900" indent="-342900">
-              <a:lnSpc>
-                <a:spcPct val="150000"/>
-              </a:lnSpc>
-              <a:buFont typeface="Arial" panose="020B0604020202020204" pitchFamily="34" charset="0"/>
-              <a:buChar char="•"/>
-            </a:pPr>
-            <a:r>
-              <a:rPr lang="en-TR" sz="2800" dirty="0"/>
-              <a:t>1NF’</a:t>
-            </a:r>
-            <a:r>
-              <a:rPr lang="en-US" sz="2800" dirty="0" err="1"/>
-              <a:t>yi</a:t>
-            </a:r>
-            <a:r>
-              <a:rPr lang="en-US" sz="2800" dirty="0"/>
-              <a:t> </a:t>
-            </a:r>
-            <a:r>
-              <a:rPr lang="en-US" sz="2800" dirty="0" err="1"/>
-              <a:t>ihlal</a:t>
-            </a:r>
-            <a:r>
-              <a:rPr lang="en-US" sz="2800" dirty="0"/>
-              <a:t> </a:t>
-            </a:r>
-            <a:r>
-              <a:rPr lang="en-US" sz="2800" dirty="0" err="1"/>
-              <a:t>eden</a:t>
-            </a:r>
-            <a:r>
-              <a:rPr lang="en-US" sz="2800" dirty="0"/>
-              <a:t> </a:t>
-            </a:r>
-            <a:r>
-              <a:rPr lang="en-US" sz="2800" dirty="0" err="1"/>
-              <a:t>bir</a:t>
-            </a:r>
-            <a:r>
-              <a:rPr lang="en-US" sz="2800" dirty="0"/>
-              <a:t> </a:t>
-            </a:r>
-            <a:r>
-              <a:rPr lang="en-US" sz="2800" dirty="0" err="1"/>
-              <a:t>ilişki</a:t>
-            </a:r>
-            <a:r>
-              <a:rPr lang="en-US" sz="2800" dirty="0"/>
-              <a:t> 2NF’</a:t>
-            </a:r>
-            <a:r>
-              <a:rPr lang="en-TR" sz="2800" dirty="0"/>
-              <a:t>yi de ihlal eder.</a:t>
             </a:r>
           </a:p>
         </p:txBody>
@@ -5752,7 +5777,7 @@
           <p:nvPr>
             <p:extLst>
               <p:ext uri="{D42A27DB-BD31-4B8C-83A1-F6EECF244321}">
-                <p14:modId xmlns:p14="http://schemas.microsoft.com/office/powerpoint/2010/main" val="4097014936"/>
+                <p14:modId xmlns:p14="http://schemas.microsoft.com/office/powerpoint/2010/main" val="1081380321"/>
               </p:ext>
             </p:extLst>
           </p:nvPr>
@@ -5844,7 +5869,7 @@
                     <a:p>
                       <a:r>
                         <a:rPr lang="en-TR" u="none" dirty="0"/>
-                        <a:t>derece</a:t>
+                        <a:t>seviye</a:t>
                       </a:r>
                     </a:p>
                   </a:txBody>
@@ -6409,7 +6434,7 @@
                 </a:pPr>
                 <a:r>
                   <a:rPr lang="en-TR" sz="2000" dirty="0"/>
-                  <a:t>(email, envanter) </a:t>
+                  <a:t>{email, envanter} </a:t>
                 </a:r>
                 <a14:m>
                   <m:oMath xmlns:m="http://schemas.openxmlformats.org/officeDocument/2006/math">
@@ -6454,7 +6479,7 @@
                 </a14:m>
                 <a:r>
                   <a:rPr lang="en-TR" sz="2000" dirty="0"/>
-                  <a:t> derece</a:t>
+                  <a:t> seviye</a:t>
                 </a:r>
               </a:p>
             </p:txBody>
@@ -6505,10 +6530,1106 @@
           </p:sp>
         </mc:Fallback>
       </mc:AlternateContent>
+      <p:sp>
+        <p:nvSpPr>
+          <p:cNvPr id="7" name="TextBox 6">
+            <a:extLst>
+              <a:ext uri="{FF2B5EF4-FFF2-40B4-BE49-F238E27FC236}">
+                <a16:creationId xmlns:a16="http://schemas.microsoft.com/office/drawing/2014/main" id="{FCD3C4B2-7BCE-B98A-9F75-B9EF90E57862}"/>
+              </a:ext>
+            </a:extLst>
+          </p:cNvPr>
+          <p:cNvSpPr txBox="1"/>
+          <p:nvPr/>
+        </p:nvSpPr>
+        <p:spPr>
+          <a:xfrm>
+            <a:off x="628650" y="5486575"/>
+            <a:ext cx="7886700" cy="923330"/>
+          </a:xfrm>
+          <a:prstGeom prst="rect">
+            <a:avLst/>
+          </a:prstGeom>
+          <a:noFill/>
+        </p:spPr>
+        <p:txBody>
+          <a:bodyPr wrap="square" rtlCol="0">
+            <a:spAutoFit/>
+          </a:bodyPr>
+          <a:lstStyle/>
+          <a:p>
+            <a:r>
+              <a:rPr lang="en-TR" sz="1800" dirty="0">
+                <a:solidFill>
+                  <a:srgbClr val="00B050"/>
+                </a:solidFill>
+              </a:rPr>
+              <a:t>Tablonun 1NF’yi sağlaması</a:t>
+            </a:r>
+            <a:r>
+              <a:rPr lang="en-TR" sz="1800" dirty="0"/>
+              <a:t> ve </a:t>
+            </a:r>
+            <a:r>
+              <a:rPr lang="en-TR" sz="1800" dirty="0">
+                <a:solidFill>
+                  <a:srgbClr val="C00000"/>
+                </a:solidFill>
+              </a:rPr>
+              <a:t>birincil anahtar olmayan her niteliğin birincil anahtarı oluşturan niteliklerin </a:t>
+            </a:r>
+            <a:r>
+              <a:rPr lang="en-TR" sz="1800" b="1" u="sng" dirty="0">
+                <a:solidFill>
+                  <a:srgbClr val="C00000"/>
+                </a:solidFill>
+              </a:rPr>
+              <a:t>tümüne</a:t>
+            </a:r>
+            <a:r>
+              <a:rPr lang="en-TR" sz="1800" dirty="0">
+                <a:solidFill>
+                  <a:srgbClr val="C00000"/>
+                </a:solidFill>
+              </a:rPr>
+              <a:t> bağlı olması gerekmektedir</a:t>
+            </a:r>
+            <a:r>
+              <a:rPr lang="en-TR" sz="1800" dirty="0"/>
+              <a:t>.</a:t>
+            </a:r>
+          </a:p>
+          <a:p>
+            <a:endParaRPr lang="en-TR" dirty="0"/>
+          </a:p>
+        </p:txBody>
+      </p:sp>
     </p:spTree>
     <p:extLst>
       <p:ext uri="{BB962C8B-B14F-4D97-AF65-F5344CB8AC3E}">
         <p14:creationId xmlns:p14="http://schemas.microsoft.com/office/powerpoint/2010/main" val="1586393301"/>
+      </p:ext>
+    </p:extLst>
+  </p:cSld>
+  <p:clrMapOvr>
+    <a:masterClrMapping/>
+  </p:clrMapOvr>
+</p:sld>
+</file>
+
+<file path=ppt/slides/slide6.xml><?xml version="1.0" encoding="utf-8"?>
+<p:sld xmlns:a="http://schemas.openxmlformats.org/drawingml/2006/main" xmlns:r="http://schemas.openxmlformats.org/officeDocument/2006/relationships" xmlns:p="http://schemas.openxmlformats.org/presentationml/2006/main">
+  <p:cSld>
+    <p:spTree>
+      <p:nvGrpSpPr>
+        <p:cNvPr id="1" name="">
+          <a:extLst>
+            <a:ext uri="{FF2B5EF4-FFF2-40B4-BE49-F238E27FC236}">
+              <a16:creationId xmlns:a16="http://schemas.microsoft.com/office/drawing/2014/main" id="{602DB50E-5F84-F9AA-3235-4E0239594244}"/>
+            </a:ext>
+          </a:extLst>
+        </p:cNvPr>
+        <p:cNvGrpSpPr/>
+        <p:nvPr/>
+      </p:nvGrpSpPr>
+      <p:grpSpPr>
+        <a:xfrm>
+          <a:off x="0" y="0"/>
+          <a:ext cx="0" cy="0"/>
+          <a:chOff x="0" y="0"/>
+          <a:chExt cx="0" cy="0"/>
+        </a:xfrm>
+      </p:grpSpPr>
+      <p:sp>
+        <p:nvSpPr>
+          <p:cNvPr id="2" name="Title 1">
+            <a:extLst>
+              <a:ext uri="{FF2B5EF4-FFF2-40B4-BE49-F238E27FC236}">
+                <a16:creationId xmlns:a16="http://schemas.microsoft.com/office/drawing/2014/main" id="{27DCC597-D3D8-FED5-C281-CB6F1D9A7855}"/>
+              </a:ext>
+            </a:extLst>
+          </p:cNvPr>
+          <p:cNvSpPr>
+            <a:spLocks noGrp="1"/>
+          </p:cNvSpPr>
+          <p:nvPr>
+            <p:ph type="title"/>
+          </p:nvPr>
+        </p:nvSpPr>
+        <p:spPr/>
+        <p:txBody>
+          <a:bodyPr/>
+          <a:lstStyle/>
+          <a:p>
+            <a:r>
+              <a:rPr lang="en-TR" dirty="0"/>
+              <a:t>2. Normal Form (2NF)</a:t>
+            </a:r>
+          </a:p>
+        </p:txBody>
+      </p:sp>
+      <p:graphicFrame>
+        <p:nvGraphicFramePr>
+          <p:cNvPr id="3" name="Content Placeholder 3">
+            <a:extLst>
+              <a:ext uri="{FF2B5EF4-FFF2-40B4-BE49-F238E27FC236}">
+                <a16:creationId xmlns:a16="http://schemas.microsoft.com/office/drawing/2014/main" id="{0367C05F-D13A-68FA-AEE8-F10337174981}"/>
+              </a:ext>
+            </a:extLst>
+          </p:cNvPr>
+          <p:cNvGraphicFramePr>
+            <a:graphicFrameLocks/>
+          </p:cNvGraphicFramePr>
+          <p:nvPr>
+            <p:extLst>
+              <p:ext uri="{D42A27DB-BD31-4B8C-83A1-F6EECF244321}">
+                <p14:modId xmlns:p14="http://schemas.microsoft.com/office/powerpoint/2010/main" val="1211071698"/>
+              </p:ext>
+            </p:extLst>
+          </p:nvPr>
+        </p:nvGraphicFramePr>
+        <p:xfrm>
+          <a:off x="717331" y="2087035"/>
+          <a:ext cx="2917626" cy="2966720"/>
+        </p:xfrm>
+        <a:graphic>
+          <a:graphicData uri="http://schemas.openxmlformats.org/drawingml/2006/table">
+            <a:tbl>
+              <a:tblPr firstRow="1" bandRow="1">
+                <a:tableStyleId>{5C22544A-7EE6-4342-B048-85BDC9FD1C3A}</a:tableStyleId>
+              </a:tblPr>
+              <a:tblGrid>
+                <a:gridCol w="1235044">
+                  <a:extLst>
+                    <a:ext uri="{9D8B030D-6E8A-4147-A177-3AD203B41FA5}">
+                      <a16:colId xmlns:a16="http://schemas.microsoft.com/office/drawing/2014/main" val="3572103169"/>
+                    </a:ext>
+                  </a:extLst>
+                </a:gridCol>
+                <a:gridCol w="1084729">
+                  <a:extLst>
+                    <a:ext uri="{9D8B030D-6E8A-4147-A177-3AD203B41FA5}">
+                      <a16:colId xmlns:a16="http://schemas.microsoft.com/office/drawing/2014/main" val="876748438"/>
+                    </a:ext>
+                  </a:extLst>
+                </a:gridCol>
+                <a:gridCol w="597853">
+                  <a:extLst>
+                    <a:ext uri="{9D8B030D-6E8A-4147-A177-3AD203B41FA5}">
+                      <a16:colId xmlns:a16="http://schemas.microsoft.com/office/drawing/2014/main" val="709493165"/>
+                    </a:ext>
+                  </a:extLst>
+                </a:gridCol>
+              </a:tblGrid>
+              <a:tr h="370840">
+                <a:tc>
+                  <a:txBody>
+                    <a:bodyPr/>
+                    <a:lstStyle/>
+                    <a:p>
+                      <a:r>
+                        <a:rPr lang="en-TR" u="sng" dirty="0"/>
+                        <a:t>email</a:t>
+                      </a:r>
+                    </a:p>
+                  </a:txBody>
+                  <a:tcPr/>
+                </a:tc>
+                <a:tc>
+                  <a:txBody>
+                    <a:bodyPr/>
+                    <a:lstStyle/>
+                    <a:p>
+                      <a:r>
+                        <a:rPr lang="en-TR" u="sng" dirty="0"/>
+                        <a:t>envanter</a:t>
+                      </a:r>
+                    </a:p>
+                  </a:txBody>
+                  <a:tcPr/>
+                </a:tc>
+                <a:tc>
+                  <a:txBody>
+                    <a:bodyPr/>
+                    <a:lstStyle/>
+                    <a:p>
+                      <a:r>
+                        <a:rPr lang="en-TR" u="none" dirty="0"/>
+                        <a:t>sayi</a:t>
+                      </a:r>
+                    </a:p>
+                  </a:txBody>
+                  <a:tcPr/>
+                </a:tc>
+                <a:extLst>
+                  <a:ext uri="{0D108BD9-81ED-4DB2-BD59-A6C34878D82A}">
+                    <a16:rowId xmlns:a16="http://schemas.microsoft.com/office/drawing/2014/main" val="4007056995"/>
+                  </a:ext>
+                </a:extLst>
+              </a:tr>
+              <a:tr h="370840">
+                <a:tc>
+                  <a:txBody>
+                    <a:bodyPr/>
+                    <a:lstStyle/>
+                    <a:p>
+                      <a:r>
+                        <a:rPr lang="en-TR" dirty="0"/>
+                        <a:t>a@b</a:t>
+                      </a:r>
+                    </a:p>
+                  </a:txBody>
+                  <a:tcPr/>
+                </a:tc>
+                <a:tc>
+                  <a:txBody>
+                    <a:bodyPr/>
+                    <a:lstStyle/>
+                    <a:p>
+                      <a:r>
+                        <a:rPr lang="en-TR" dirty="0"/>
+                        <a:t>ilk yardım</a:t>
+                      </a:r>
+                    </a:p>
+                  </a:txBody>
+                  <a:tcPr/>
+                </a:tc>
+                <a:tc>
+                  <a:txBody>
+                    <a:bodyPr/>
+                    <a:lstStyle/>
+                    <a:p>
+                      <a:r>
+                        <a:rPr lang="en-TR" dirty="0"/>
+                        <a:t>3</a:t>
+                      </a:r>
+                    </a:p>
+                  </a:txBody>
+                  <a:tcPr/>
+                </a:tc>
+                <a:extLst>
+                  <a:ext uri="{0D108BD9-81ED-4DB2-BD59-A6C34878D82A}">
+                    <a16:rowId xmlns:a16="http://schemas.microsoft.com/office/drawing/2014/main" val="4274227303"/>
+                  </a:ext>
+                </a:extLst>
+              </a:tr>
+              <a:tr h="370840">
+                <a:tc>
+                  <a:txBody>
+                    <a:bodyPr/>
+                    <a:lstStyle/>
+                    <a:p>
+                      <a:pPr marL="0" marR="0" lvl="0" indent="0" algn="l" defTabSz="914400" rtl="0" eaLnBrk="1" fontAlgn="auto" latinLnBrk="0" hangingPunct="1">
+                        <a:lnSpc>
+                          <a:spcPct val="100000"/>
+                        </a:lnSpc>
+                        <a:spcBef>
+                          <a:spcPts val="0"/>
+                        </a:spcBef>
+                        <a:spcAft>
+                          <a:spcPts val="0"/>
+                        </a:spcAft>
+                        <a:buClrTx/>
+                        <a:buSzTx/>
+                        <a:buFontTx/>
+                        <a:buNone/>
+                        <a:tabLst/>
+                        <a:defRPr/>
+                      </a:pPr>
+                      <a:r>
+                        <a:rPr lang="en-TR" dirty="0"/>
+                        <a:t>a@b</a:t>
+                      </a:r>
+                    </a:p>
+                  </a:txBody>
+                  <a:tcPr/>
+                </a:tc>
+                <a:tc>
+                  <a:txBody>
+                    <a:bodyPr/>
+                    <a:lstStyle/>
+                    <a:p>
+                      <a:r>
+                        <a:rPr lang="en-TR" dirty="0"/>
+                        <a:t>ışınlanma</a:t>
+                      </a:r>
+                    </a:p>
+                  </a:txBody>
+                  <a:tcPr/>
+                </a:tc>
+                <a:tc>
+                  <a:txBody>
+                    <a:bodyPr/>
+                    <a:lstStyle/>
+                    <a:p>
+                      <a:r>
+                        <a:rPr lang="en-TR" dirty="0"/>
+                        <a:t>2</a:t>
+                      </a:r>
+                    </a:p>
+                  </a:txBody>
+                  <a:tcPr/>
+                </a:tc>
+                <a:extLst>
+                  <a:ext uri="{0D108BD9-81ED-4DB2-BD59-A6C34878D82A}">
+                    <a16:rowId xmlns:a16="http://schemas.microsoft.com/office/drawing/2014/main" val="3880927086"/>
+                  </a:ext>
+                </a:extLst>
+              </a:tr>
+              <a:tr h="370840">
+                <a:tc>
+                  <a:txBody>
+                    <a:bodyPr/>
+                    <a:lstStyle/>
+                    <a:p>
+                      <a:r>
+                        <a:rPr lang="en-TR" dirty="0"/>
+                        <a:t>b@c</a:t>
+                      </a:r>
+                    </a:p>
+                  </a:txBody>
+                  <a:tcPr/>
+                </a:tc>
+                <a:tc>
+                  <a:txBody>
+                    <a:bodyPr/>
+                    <a:lstStyle/>
+                    <a:p>
+                      <a:r>
+                        <a:rPr lang="en-TR" dirty="0"/>
+                        <a:t>ilk yardım</a:t>
+                      </a:r>
+                    </a:p>
+                  </a:txBody>
+                  <a:tcPr/>
+                </a:tc>
+                <a:tc>
+                  <a:txBody>
+                    <a:bodyPr/>
+                    <a:lstStyle/>
+                    <a:p>
+                      <a:r>
+                        <a:rPr lang="en-TR" dirty="0"/>
+                        <a:t>1</a:t>
+                      </a:r>
+                    </a:p>
+                  </a:txBody>
+                  <a:tcPr/>
+                </a:tc>
+                <a:extLst>
+                  <a:ext uri="{0D108BD9-81ED-4DB2-BD59-A6C34878D82A}">
+                    <a16:rowId xmlns:a16="http://schemas.microsoft.com/office/drawing/2014/main" val="3412863520"/>
+                  </a:ext>
+                </a:extLst>
+              </a:tr>
+              <a:tr h="370840">
+                <a:tc>
+                  <a:txBody>
+                    <a:bodyPr/>
+                    <a:lstStyle/>
+                    <a:p>
+                      <a:pPr marL="0" marR="0" lvl="0" indent="0" algn="l" defTabSz="914400" rtl="0" eaLnBrk="1" fontAlgn="auto" latinLnBrk="0" hangingPunct="1">
+                        <a:lnSpc>
+                          <a:spcPct val="100000"/>
+                        </a:lnSpc>
+                        <a:spcBef>
+                          <a:spcPts val="0"/>
+                        </a:spcBef>
+                        <a:spcAft>
+                          <a:spcPts val="0"/>
+                        </a:spcAft>
+                        <a:buClrTx/>
+                        <a:buSzTx/>
+                        <a:buFontTx/>
+                        <a:buNone/>
+                        <a:tabLst/>
+                        <a:defRPr/>
+                      </a:pPr>
+                      <a:r>
+                        <a:rPr lang="en-TR" dirty="0"/>
+                        <a:t>b@c</a:t>
+                      </a:r>
+                    </a:p>
+                  </a:txBody>
+                  <a:tcPr/>
+                </a:tc>
+                <a:tc>
+                  <a:txBody>
+                    <a:bodyPr/>
+                    <a:lstStyle/>
+                    <a:p>
+                      <a:r>
+                        <a:rPr lang="en-TR" dirty="0"/>
+                        <a:t>ışınlanma</a:t>
+                      </a:r>
+                    </a:p>
+                  </a:txBody>
+                  <a:tcPr/>
+                </a:tc>
+                <a:tc>
+                  <a:txBody>
+                    <a:bodyPr/>
+                    <a:lstStyle/>
+                    <a:p>
+                      <a:r>
+                        <a:rPr lang="en-TR" dirty="0"/>
+                        <a:t>1</a:t>
+                      </a:r>
+                    </a:p>
+                  </a:txBody>
+                  <a:tcPr/>
+                </a:tc>
+                <a:extLst>
+                  <a:ext uri="{0D108BD9-81ED-4DB2-BD59-A6C34878D82A}">
+                    <a16:rowId xmlns:a16="http://schemas.microsoft.com/office/drawing/2014/main" val="2128560287"/>
+                  </a:ext>
+                </a:extLst>
+              </a:tr>
+              <a:tr h="370840">
+                <a:tc>
+                  <a:txBody>
+                    <a:bodyPr/>
+                    <a:lstStyle/>
+                    <a:p>
+                      <a:pPr marL="0" marR="0" lvl="0" indent="0" algn="l" defTabSz="914400" rtl="0" eaLnBrk="1" fontAlgn="auto" latinLnBrk="0" hangingPunct="1">
+                        <a:lnSpc>
+                          <a:spcPct val="100000"/>
+                        </a:lnSpc>
+                        <a:spcBef>
+                          <a:spcPts val="0"/>
+                        </a:spcBef>
+                        <a:spcAft>
+                          <a:spcPts val="0"/>
+                        </a:spcAft>
+                        <a:buClrTx/>
+                        <a:buSzTx/>
+                        <a:buFontTx/>
+                        <a:buNone/>
+                        <a:tabLst/>
+                        <a:defRPr/>
+                      </a:pPr>
+                      <a:r>
+                        <a:rPr lang="en-TR" dirty="0"/>
+                        <a:t>b@c</a:t>
+                      </a:r>
+                    </a:p>
+                  </a:txBody>
+                  <a:tcPr/>
+                </a:tc>
+                <a:tc>
+                  <a:txBody>
+                    <a:bodyPr/>
+                    <a:lstStyle/>
+                    <a:p>
+                      <a:r>
+                        <a:rPr lang="en-TR" dirty="0"/>
+                        <a:t>halat</a:t>
+                      </a:r>
+                    </a:p>
+                  </a:txBody>
+                  <a:tcPr/>
+                </a:tc>
+                <a:tc>
+                  <a:txBody>
+                    <a:bodyPr/>
+                    <a:lstStyle/>
+                    <a:p>
+                      <a:r>
+                        <a:rPr lang="en-TR" dirty="0"/>
+                        <a:t>5</a:t>
+                      </a:r>
+                    </a:p>
+                  </a:txBody>
+                  <a:tcPr/>
+                </a:tc>
+                <a:extLst>
+                  <a:ext uri="{0D108BD9-81ED-4DB2-BD59-A6C34878D82A}">
+                    <a16:rowId xmlns:a16="http://schemas.microsoft.com/office/drawing/2014/main" val="646425916"/>
+                  </a:ext>
+                </a:extLst>
+              </a:tr>
+              <a:tr h="370840">
+                <a:tc>
+                  <a:txBody>
+                    <a:bodyPr/>
+                    <a:lstStyle/>
+                    <a:p>
+                      <a:r>
+                        <a:rPr lang="en-TR" dirty="0"/>
+                        <a:t>c@d</a:t>
+                      </a:r>
+                    </a:p>
+                  </a:txBody>
+                  <a:tcPr/>
+                </a:tc>
+                <a:tc>
+                  <a:txBody>
+                    <a:bodyPr/>
+                    <a:lstStyle/>
+                    <a:p>
+                      <a:r>
+                        <a:rPr lang="en-TR" dirty="0"/>
+                        <a:t>pusula</a:t>
+                      </a:r>
+                    </a:p>
+                  </a:txBody>
+                  <a:tcPr/>
+                </a:tc>
+                <a:tc>
+                  <a:txBody>
+                    <a:bodyPr/>
+                    <a:lstStyle/>
+                    <a:p>
+                      <a:r>
+                        <a:rPr lang="en-TR" dirty="0"/>
+                        <a:t>1</a:t>
+                      </a:r>
+                    </a:p>
+                  </a:txBody>
+                  <a:tcPr/>
+                </a:tc>
+                <a:extLst>
+                  <a:ext uri="{0D108BD9-81ED-4DB2-BD59-A6C34878D82A}">
+                    <a16:rowId xmlns:a16="http://schemas.microsoft.com/office/drawing/2014/main" val="3117025022"/>
+                  </a:ext>
+                </a:extLst>
+              </a:tr>
+              <a:tr h="370840">
+                <a:tc>
+                  <a:txBody>
+                    <a:bodyPr/>
+                    <a:lstStyle/>
+                    <a:p>
+                      <a:r>
+                        <a:rPr lang="en-TR" dirty="0"/>
+                        <a:t>c@d</a:t>
+                      </a:r>
+                    </a:p>
+                  </a:txBody>
+                  <a:tcPr/>
+                </a:tc>
+                <a:tc>
+                  <a:txBody>
+                    <a:bodyPr/>
+                    <a:lstStyle/>
+                    <a:p>
+                      <a:r>
+                        <a:rPr lang="en-TR" dirty="0"/>
+                        <a:t>halat</a:t>
+                      </a:r>
+                    </a:p>
+                  </a:txBody>
+                  <a:tcPr/>
+                </a:tc>
+                <a:tc>
+                  <a:txBody>
+                    <a:bodyPr/>
+                    <a:lstStyle/>
+                    <a:p>
+                      <a:r>
+                        <a:rPr lang="en-TR" dirty="0"/>
+                        <a:t>3</a:t>
+                      </a:r>
+                    </a:p>
+                  </a:txBody>
+                  <a:tcPr/>
+                </a:tc>
+                <a:extLst>
+                  <a:ext uri="{0D108BD9-81ED-4DB2-BD59-A6C34878D82A}">
+                    <a16:rowId xmlns:a16="http://schemas.microsoft.com/office/drawing/2014/main" val="1871656238"/>
+                  </a:ext>
+                </a:extLst>
+              </a:tr>
+            </a:tbl>
+          </a:graphicData>
+        </a:graphic>
+      </p:graphicFrame>
+      <p:sp>
+        <p:nvSpPr>
+          <p:cNvPr id="6" name="TextBox 5">
+            <a:extLst>
+              <a:ext uri="{FF2B5EF4-FFF2-40B4-BE49-F238E27FC236}">
+                <a16:creationId xmlns:a16="http://schemas.microsoft.com/office/drawing/2014/main" id="{B3049062-D1FA-6F18-06DC-00507C005DC8}"/>
+              </a:ext>
+            </a:extLst>
+          </p:cNvPr>
+          <p:cNvSpPr txBox="1"/>
+          <p:nvPr/>
+        </p:nvSpPr>
+        <p:spPr>
+          <a:xfrm>
+            <a:off x="628650" y="1670483"/>
+            <a:ext cx="2124043" cy="369332"/>
+          </a:xfrm>
+          <a:prstGeom prst="rect">
+            <a:avLst/>
+          </a:prstGeom>
+          <a:noFill/>
+        </p:spPr>
+        <p:txBody>
+          <a:bodyPr wrap="none" rtlCol="0">
+            <a:spAutoFit/>
+          </a:bodyPr>
+          <a:lstStyle/>
+          <a:p>
+            <a:r>
+              <a:rPr lang="en-TR" dirty="0"/>
+              <a:t>oyuncu_envanterleri</a:t>
+            </a:r>
+          </a:p>
+        </p:txBody>
+      </p:sp>
+      <p:graphicFrame>
+        <p:nvGraphicFramePr>
+          <p:cNvPr id="4" name="Content Placeholder 3">
+            <a:extLst>
+              <a:ext uri="{FF2B5EF4-FFF2-40B4-BE49-F238E27FC236}">
+                <a16:creationId xmlns:a16="http://schemas.microsoft.com/office/drawing/2014/main" id="{40418837-8B14-2EE7-573E-87CE18824688}"/>
+              </a:ext>
+            </a:extLst>
+          </p:cNvPr>
+          <p:cNvGraphicFramePr>
+            <a:graphicFrameLocks/>
+          </p:cNvGraphicFramePr>
+          <p:nvPr>
+            <p:extLst>
+              <p:ext uri="{D42A27DB-BD31-4B8C-83A1-F6EECF244321}">
+                <p14:modId xmlns:p14="http://schemas.microsoft.com/office/powerpoint/2010/main" val="1979471539"/>
+              </p:ext>
+            </p:extLst>
+          </p:nvPr>
+        </p:nvGraphicFramePr>
+        <p:xfrm>
+          <a:off x="4695497" y="2085059"/>
+          <a:ext cx="2109122" cy="1483360"/>
+        </p:xfrm>
+        <a:graphic>
+          <a:graphicData uri="http://schemas.openxmlformats.org/drawingml/2006/table">
+            <a:tbl>
+              <a:tblPr firstRow="1" bandRow="1">
+                <a:tableStyleId>{5C22544A-7EE6-4342-B048-85BDC9FD1C3A}</a:tableStyleId>
+              </a:tblPr>
+              <a:tblGrid>
+                <a:gridCol w="1235044">
+                  <a:extLst>
+                    <a:ext uri="{9D8B030D-6E8A-4147-A177-3AD203B41FA5}">
+                      <a16:colId xmlns:a16="http://schemas.microsoft.com/office/drawing/2014/main" val="3572103169"/>
+                    </a:ext>
+                  </a:extLst>
+                </a:gridCol>
+                <a:gridCol w="874078">
+                  <a:extLst>
+                    <a:ext uri="{9D8B030D-6E8A-4147-A177-3AD203B41FA5}">
+                      <a16:colId xmlns:a16="http://schemas.microsoft.com/office/drawing/2014/main" val="3078567903"/>
+                    </a:ext>
+                  </a:extLst>
+                </a:gridCol>
+              </a:tblGrid>
+              <a:tr h="370840">
+                <a:tc>
+                  <a:txBody>
+                    <a:bodyPr/>
+                    <a:lstStyle/>
+                    <a:p>
+                      <a:r>
+                        <a:rPr lang="en-TR" u="sng" dirty="0"/>
+                        <a:t>email</a:t>
+                      </a:r>
+                    </a:p>
+                  </a:txBody>
+                  <a:tcPr/>
+                </a:tc>
+                <a:tc>
+                  <a:txBody>
+                    <a:bodyPr/>
+                    <a:lstStyle/>
+                    <a:p>
+                      <a:r>
+                        <a:rPr lang="en-TR" u="none" dirty="0"/>
+                        <a:t>seviye</a:t>
+                      </a:r>
+                    </a:p>
+                  </a:txBody>
+                  <a:tcPr/>
+                </a:tc>
+                <a:extLst>
+                  <a:ext uri="{0D108BD9-81ED-4DB2-BD59-A6C34878D82A}">
+                    <a16:rowId xmlns:a16="http://schemas.microsoft.com/office/drawing/2014/main" val="4007056995"/>
+                  </a:ext>
+                </a:extLst>
+              </a:tr>
+              <a:tr h="370840">
+                <a:tc>
+                  <a:txBody>
+                    <a:bodyPr/>
+                    <a:lstStyle/>
+                    <a:p>
+                      <a:r>
+                        <a:rPr lang="en-TR" dirty="0"/>
+                        <a:t>a@b</a:t>
+                      </a:r>
+                    </a:p>
+                  </a:txBody>
+                  <a:tcPr/>
+                </a:tc>
+                <a:tc>
+                  <a:txBody>
+                    <a:bodyPr/>
+                    <a:lstStyle/>
+                    <a:p>
+                      <a:r>
+                        <a:rPr lang="en-TR" dirty="0"/>
+                        <a:t>acemi</a:t>
+                      </a:r>
+                    </a:p>
+                  </a:txBody>
+                  <a:tcPr/>
+                </a:tc>
+                <a:extLst>
+                  <a:ext uri="{0D108BD9-81ED-4DB2-BD59-A6C34878D82A}">
+                    <a16:rowId xmlns:a16="http://schemas.microsoft.com/office/drawing/2014/main" val="4274227303"/>
+                  </a:ext>
+                </a:extLst>
+              </a:tr>
+              <a:tr h="370840">
+                <a:tc>
+                  <a:txBody>
+                    <a:bodyPr/>
+                    <a:lstStyle/>
+                    <a:p>
+                      <a:r>
+                        <a:rPr lang="en-TR" dirty="0"/>
+                        <a:t>b@c</a:t>
+                      </a:r>
+                    </a:p>
+                  </a:txBody>
+                  <a:tcPr/>
+                </a:tc>
+                <a:tc>
+                  <a:txBody>
+                    <a:bodyPr/>
+                    <a:lstStyle/>
+                    <a:p>
+                      <a:r>
+                        <a:rPr lang="en-TR" dirty="0"/>
+                        <a:t>usta</a:t>
+                      </a:r>
+                    </a:p>
+                  </a:txBody>
+                  <a:tcPr/>
+                </a:tc>
+                <a:extLst>
+                  <a:ext uri="{0D108BD9-81ED-4DB2-BD59-A6C34878D82A}">
+                    <a16:rowId xmlns:a16="http://schemas.microsoft.com/office/drawing/2014/main" val="3412863520"/>
+                  </a:ext>
+                </a:extLst>
+              </a:tr>
+              <a:tr h="370840">
+                <a:tc>
+                  <a:txBody>
+                    <a:bodyPr/>
+                    <a:lstStyle/>
+                    <a:p>
+                      <a:r>
+                        <a:rPr lang="en-TR" dirty="0"/>
+                        <a:t>c@d</a:t>
+                      </a:r>
+                    </a:p>
+                  </a:txBody>
+                  <a:tcPr/>
+                </a:tc>
+                <a:tc>
+                  <a:txBody>
+                    <a:bodyPr/>
+                    <a:lstStyle/>
+                    <a:p>
+                      <a:r>
+                        <a:rPr lang="en-TR" dirty="0"/>
+                        <a:t>orta</a:t>
+                      </a:r>
+                    </a:p>
+                  </a:txBody>
+                  <a:tcPr/>
+                </a:tc>
+                <a:extLst>
+                  <a:ext uri="{0D108BD9-81ED-4DB2-BD59-A6C34878D82A}">
+                    <a16:rowId xmlns:a16="http://schemas.microsoft.com/office/drawing/2014/main" val="3117025022"/>
+                  </a:ext>
+                </a:extLst>
+              </a:tr>
+            </a:tbl>
+          </a:graphicData>
+        </a:graphic>
+      </p:graphicFrame>
+      <p:sp>
+        <p:nvSpPr>
+          <p:cNvPr id="8" name="TextBox 7">
+            <a:extLst>
+              <a:ext uri="{FF2B5EF4-FFF2-40B4-BE49-F238E27FC236}">
+                <a16:creationId xmlns:a16="http://schemas.microsoft.com/office/drawing/2014/main" id="{8A0A987D-4781-ACCC-C41D-695B1F9036D1}"/>
+              </a:ext>
+            </a:extLst>
+          </p:cNvPr>
+          <p:cNvSpPr txBox="1"/>
+          <p:nvPr/>
+        </p:nvSpPr>
+        <p:spPr>
+          <a:xfrm>
+            <a:off x="4572000" y="1670483"/>
+            <a:ext cx="1932517" cy="369332"/>
+          </a:xfrm>
+          <a:prstGeom prst="rect">
+            <a:avLst/>
+          </a:prstGeom>
+          <a:noFill/>
+        </p:spPr>
+        <p:txBody>
+          <a:bodyPr wrap="none" rtlCol="0">
+            <a:spAutoFit/>
+          </a:bodyPr>
+          <a:lstStyle/>
+          <a:p>
+            <a:r>
+              <a:rPr lang="en-TR" dirty="0"/>
+              <a:t>oyuncu_dereceleri</a:t>
+            </a:r>
+          </a:p>
+        </p:txBody>
+      </p:sp>
+      <mc:AlternateContent xmlns:mc="http://schemas.openxmlformats.org/markup-compatibility/2006">
+        <mc:Choice xmlns:a14="http://schemas.microsoft.com/office/drawing/2010/main" Requires="a14">
+          <p:sp>
+            <p:nvSpPr>
+              <p:cNvPr id="9" name="TextBox 8">
+                <a:extLst>
+                  <a:ext uri="{FF2B5EF4-FFF2-40B4-BE49-F238E27FC236}">
+                    <a16:creationId xmlns:a16="http://schemas.microsoft.com/office/drawing/2014/main" id="{D1F0A84E-2078-4787-24BE-6FC3BE31FDE4}"/>
+                  </a:ext>
+                </a:extLst>
+              </p:cNvPr>
+              <p:cNvSpPr txBox="1"/>
+              <p:nvPr/>
+            </p:nvSpPr>
+            <p:spPr>
+              <a:xfrm>
+                <a:off x="717330" y="5100975"/>
+                <a:ext cx="3013841" cy="967188"/>
+              </a:xfrm>
+              <a:prstGeom prst="rect">
+                <a:avLst/>
+              </a:prstGeom>
+              <a:noFill/>
+            </p:spPr>
+            <p:txBody>
+              <a:bodyPr wrap="square" rtlCol="0">
+                <a:spAutoFit/>
+              </a:bodyPr>
+              <a:lstStyle/>
+              <a:p>
+                <a:pPr>
+                  <a:lnSpc>
+                    <a:spcPct val="150000"/>
+                  </a:lnSpc>
+                </a:pPr>
+                <a:r>
+                  <a:rPr lang="en-TR" sz="2000" dirty="0"/>
+                  <a:t>Bağlılıklar:</a:t>
+                </a:r>
+              </a:p>
+              <a:p>
+                <a:pPr marL="285750" indent="-285750">
+                  <a:lnSpc>
+                    <a:spcPct val="150000"/>
+                  </a:lnSpc>
+                  <a:buFont typeface="Arial" panose="020B0604020202020204" pitchFamily="34" charset="0"/>
+                  <a:buChar char="•"/>
+                </a:pPr>
+                <a:r>
+                  <a:rPr lang="en-TR" sz="2000" dirty="0"/>
+                  <a:t>{email, envanter} </a:t>
+                </a:r>
+                <a14:m>
+                  <m:oMath xmlns:m="http://schemas.openxmlformats.org/officeDocument/2006/math">
+                    <m:r>
+                      <a:rPr lang="tr-TR" sz="2000" b="0" i="1" smtClean="0">
+                        <a:latin typeface="Cambria Math" panose="02040503050406030204" pitchFamily="18" charset="0"/>
+                      </a:rPr>
+                      <m:t>→</m:t>
+                    </m:r>
+                  </m:oMath>
+                </a14:m>
+                <a:r>
+                  <a:rPr lang="en-TR" sz="2000" dirty="0"/>
+                  <a:t> sayi</a:t>
+                </a:r>
+              </a:p>
+            </p:txBody>
+          </p:sp>
+        </mc:Choice>
+        <mc:Fallback>
+          <p:sp>
+            <p:nvSpPr>
+              <p:cNvPr id="9" name="TextBox 8">
+                <a:extLst>
+                  <a:ext uri="{FF2B5EF4-FFF2-40B4-BE49-F238E27FC236}">
+                    <a16:creationId xmlns:a16="http://schemas.microsoft.com/office/drawing/2014/main" id="{D1F0A84E-2078-4787-24BE-6FC3BE31FDE4}"/>
+                  </a:ext>
+                </a:extLst>
+              </p:cNvPr>
+              <p:cNvSpPr txBox="1">
+                <a:spLocks noRot="1" noChangeAspect="1" noMove="1" noResize="1" noEditPoints="1" noAdjustHandles="1" noChangeArrowheads="1" noChangeShapeType="1" noTextEdit="1"/>
+              </p:cNvSpPr>
+              <p:nvPr/>
+            </p:nvSpPr>
+            <p:spPr>
+              <a:xfrm>
+                <a:off x="717330" y="5100975"/>
+                <a:ext cx="3013841" cy="967188"/>
+              </a:xfrm>
+              <a:prstGeom prst="rect">
+                <a:avLst/>
+              </a:prstGeom>
+              <a:blipFill>
+                <a:blip r:embed="rId2"/>
+                <a:stretch>
+                  <a:fillRect l="-2101" r="-420" b="-10390"/>
+                </a:stretch>
+              </a:blipFill>
+            </p:spPr>
+            <p:txBody>
+              <a:bodyPr/>
+              <a:lstStyle/>
+              <a:p>
+                <a:r>
+                  <a:rPr lang="en-TR">
+                    <a:noFill/>
+                  </a:rPr>
+                  <a:t> </a:t>
+                </a:r>
+              </a:p>
+            </p:txBody>
+          </p:sp>
+        </mc:Fallback>
+      </mc:AlternateContent>
+      <mc:AlternateContent xmlns:mc="http://schemas.openxmlformats.org/markup-compatibility/2006">
+        <mc:Choice xmlns:a14="http://schemas.microsoft.com/office/drawing/2010/main" Requires="a14">
+          <p:sp>
+            <p:nvSpPr>
+              <p:cNvPr id="5" name="TextBox 4">
+                <a:extLst>
+                  <a:ext uri="{FF2B5EF4-FFF2-40B4-BE49-F238E27FC236}">
+                    <a16:creationId xmlns:a16="http://schemas.microsoft.com/office/drawing/2014/main" id="{1C357312-83B3-BF27-74CD-F85F9735C08D}"/>
+                  </a:ext>
+                </a:extLst>
+              </p:cNvPr>
+              <p:cNvSpPr txBox="1"/>
+              <p:nvPr/>
+            </p:nvSpPr>
+            <p:spPr>
+              <a:xfrm>
+                <a:off x="4695497" y="3613663"/>
+                <a:ext cx="2109122" cy="967188"/>
+              </a:xfrm>
+              <a:prstGeom prst="rect">
+                <a:avLst/>
+              </a:prstGeom>
+              <a:noFill/>
+            </p:spPr>
+            <p:txBody>
+              <a:bodyPr wrap="square" rtlCol="0">
+                <a:spAutoFit/>
+              </a:bodyPr>
+              <a:lstStyle/>
+              <a:p>
+                <a:pPr>
+                  <a:lnSpc>
+                    <a:spcPct val="150000"/>
+                  </a:lnSpc>
+                </a:pPr>
+                <a:r>
+                  <a:rPr lang="en-TR" sz="2000" dirty="0"/>
+                  <a:t>Bağlılıklar:</a:t>
+                </a:r>
+              </a:p>
+              <a:p>
+                <a:pPr marL="285750" indent="-285750">
+                  <a:lnSpc>
+                    <a:spcPct val="150000"/>
+                  </a:lnSpc>
+                  <a:buFont typeface="Arial" panose="020B0604020202020204" pitchFamily="34" charset="0"/>
+                  <a:buChar char="•"/>
+                </a:pPr>
+                <a:r>
+                  <a:rPr lang="en-TR" sz="2000" dirty="0"/>
+                  <a:t>email </a:t>
+                </a:r>
+                <a14:m>
+                  <m:oMath xmlns:m="http://schemas.openxmlformats.org/officeDocument/2006/math">
+                    <m:r>
+                      <a:rPr lang="tr-TR" sz="2000" b="0" i="1" smtClean="0">
+                        <a:latin typeface="Cambria Math" panose="02040503050406030204" pitchFamily="18" charset="0"/>
+                      </a:rPr>
+                      <m:t>→</m:t>
+                    </m:r>
+                  </m:oMath>
+                </a14:m>
+                <a:r>
+                  <a:rPr lang="en-TR" sz="2000" dirty="0"/>
+                  <a:t> seviye</a:t>
+                </a:r>
+              </a:p>
+            </p:txBody>
+          </p:sp>
+        </mc:Choice>
+        <mc:Fallback>
+          <p:sp>
+            <p:nvSpPr>
+              <p:cNvPr id="5" name="TextBox 4">
+                <a:extLst>
+                  <a:ext uri="{FF2B5EF4-FFF2-40B4-BE49-F238E27FC236}">
+                    <a16:creationId xmlns:a16="http://schemas.microsoft.com/office/drawing/2014/main" id="{1C357312-83B3-BF27-74CD-F85F9735C08D}"/>
+                  </a:ext>
+                </a:extLst>
+              </p:cNvPr>
+              <p:cNvSpPr txBox="1">
+                <a:spLocks noRot="1" noChangeAspect="1" noMove="1" noResize="1" noEditPoints="1" noAdjustHandles="1" noChangeArrowheads="1" noChangeShapeType="1" noTextEdit="1"/>
+              </p:cNvSpPr>
+              <p:nvPr/>
+            </p:nvSpPr>
+            <p:spPr>
+              <a:xfrm>
+                <a:off x="4695497" y="3613663"/>
+                <a:ext cx="2109122" cy="967188"/>
+              </a:xfrm>
+              <a:prstGeom prst="rect">
+                <a:avLst/>
+              </a:prstGeom>
+              <a:blipFill>
+                <a:blip r:embed="rId3"/>
+                <a:stretch>
+                  <a:fillRect l="-2994" b="-10390"/>
+                </a:stretch>
+              </a:blipFill>
+            </p:spPr>
+            <p:txBody>
+              <a:bodyPr/>
+              <a:lstStyle/>
+              <a:p>
+                <a:r>
+                  <a:rPr lang="en-TR">
+                    <a:noFill/>
+                  </a:rPr>
+                  <a:t> </a:t>
+                </a:r>
+              </a:p>
+            </p:txBody>
+          </p:sp>
+        </mc:Fallback>
+      </mc:AlternateContent>
+    </p:spTree>
+    <p:extLst>
+      <p:ext uri="{BB962C8B-B14F-4D97-AF65-F5344CB8AC3E}">
+        <p14:creationId xmlns:p14="http://schemas.microsoft.com/office/powerpoint/2010/main" val="465645904"/>
       </p:ext>
     </p:extLst>
   </p:cSld>

--- a/Slides/Ders 5.1 Design 2NF.pptx
+++ b/Slides/Ders 5.1 Design 2NF.pptx
@@ -202,7 +202,7 @@
           <a:p>
             <a:fld id="{DD4244C5-5D67-C540-97C4-F007CFC432EF}" type="datetimeFigureOut">
               <a:rPr lang="tr-TR" smtClean="0"/>
-              <a:t>20.02.2024</a:t>
+              <a:t>14.04.2024</a:t>
             </a:fld>
             <a:endParaRPr lang="tr-TR"/>
           </a:p>
@@ -601,7 +601,7 @@
           <a:p>
             <a:fld id="{26396F4E-1D0B-3F44-AA0F-A3430AE5742F}" type="datetimeFigureOut">
               <a:rPr lang="tr-TR" smtClean="0"/>
-              <a:t>20.02.2024</a:t>
+              <a:t>14.04.2024</a:t>
             </a:fld>
             <a:endParaRPr lang="tr-TR"/>
           </a:p>
@@ -771,7 +771,7 @@
           <a:p>
             <a:fld id="{26396F4E-1D0B-3F44-AA0F-A3430AE5742F}" type="datetimeFigureOut">
               <a:rPr lang="tr-TR" smtClean="0"/>
-              <a:t>20.02.2024</a:t>
+              <a:t>14.04.2024</a:t>
             </a:fld>
             <a:endParaRPr lang="tr-TR"/>
           </a:p>
@@ -951,7 +951,7 @@
           <a:p>
             <a:fld id="{26396F4E-1D0B-3F44-AA0F-A3430AE5742F}" type="datetimeFigureOut">
               <a:rPr lang="tr-TR" smtClean="0"/>
-              <a:t>20.02.2024</a:t>
+              <a:t>14.04.2024</a:t>
             </a:fld>
             <a:endParaRPr lang="tr-TR"/>
           </a:p>
@@ -1121,7 +1121,7 @@
           <a:p>
             <a:fld id="{26396F4E-1D0B-3F44-AA0F-A3430AE5742F}" type="datetimeFigureOut">
               <a:rPr lang="tr-TR" smtClean="0"/>
-              <a:t>20.02.2024</a:t>
+              <a:t>14.04.2024</a:t>
             </a:fld>
             <a:endParaRPr lang="tr-TR"/>
           </a:p>
@@ -1365,7 +1365,7 @@
           <a:p>
             <a:fld id="{26396F4E-1D0B-3F44-AA0F-A3430AE5742F}" type="datetimeFigureOut">
               <a:rPr lang="tr-TR" smtClean="0"/>
-              <a:t>20.02.2024</a:t>
+              <a:t>14.04.2024</a:t>
             </a:fld>
             <a:endParaRPr lang="tr-TR"/>
           </a:p>
@@ -1597,7 +1597,7 @@
           <a:p>
             <a:fld id="{26396F4E-1D0B-3F44-AA0F-A3430AE5742F}" type="datetimeFigureOut">
               <a:rPr lang="tr-TR" smtClean="0"/>
-              <a:t>20.02.2024</a:t>
+              <a:t>14.04.2024</a:t>
             </a:fld>
             <a:endParaRPr lang="tr-TR"/>
           </a:p>
@@ -1964,7 +1964,7 @@
           <a:p>
             <a:fld id="{26396F4E-1D0B-3F44-AA0F-A3430AE5742F}" type="datetimeFigureOut">
               <a:rPr lang="tr-TR" smtClean="0"/>
-              <a:t>20.02.2024</a:t>
+              <a:t>14.04.2024</a:t>
             </a:fld>
             <a:endParaRPr lang="tr-TR"/>
           </a:p>
@@ -2082,7 +2082,7 @@
           <a:p>
             <a:fld id="{26396F4E-1D0B-3F44-AA0F-A3430AE5742F}" type="datetimeFigureOut">
               <a:rPr lang="tr-TR" smtClean="0"/>
-              <a:t>20.02.2024</a:t>
+              <a:t>14.04.2024</a:t>
             </a:fld>
             <a:endParaRPr lang="tr-TR"/>
           </a:p>
@@ -2177,7 +2177,7 @@
           <a:p>
             <a:fld id="{26396F4E-1D0B-3F44-AA0F-A3430AE5742F}" type="datetimeFigureOut">
               <a:rPr lang="tr-TR" smtClean="0"/>
-              <a:t>20.02.2024</a:t>
+              <a:t>14.04.2024</a:t>
             </a:fld>
             <a:endParaRPr lang="tr-TR"/>
           </a:p>
@@ -2454,7 +2454,7 @@
           <a:p>
             <a:fld id="{26396F4E-1D0B-3F44-AA0F-A3430AE5742F}" type="datetimeFigureOut">
               <a:rPr lang="tr-TR" smtClean="0"/>
-              <a:t>20.02.2024</a:t>
+              <a:t>14.04.2024</a:t>
             </a:fld>
             <a:endParaRPr lang="tr-TR"/>
           </a:p>
@@ -2711,7 +2711,7 @@
           <a:p>
             <a:fld id="{26396F4E-1D0B-3F44-AA0F-A3430AE5742F}" type="datetimeFigureOut">
               <a:rPr lang="tr-TR" smtClean="0"/>
-              <a:t>20.02.2024</a:t>
+              <a:t>14.04.2024</a:t>
             </a:fld>
             <a:endParaRPr lang="tr-TR"/>
           </a:p>
@@ -2924,7 +2924,7 @@
           <a:p>
             <a:fld id="{26396F4E-1D0B-3F44-AA0F-A3430AE5742F}" type="datetimeFigureOut">
               <a:rPr lang="tr-TR" smtClean="0"/>
-              <a:t>20.02.2024</a:t>
+              <a:t>14.04.2024</a:t>
             </a:fld>
             <a:endParaRPr lang="tr-TR"/>
           </a:p>
@@ -3513,8 +3513,13 @@
           <a:p>
             <a:r>
               <a:rPr lang="tr-TR" dirty="0"/>
-              <a:t>Oda: 329</a:t>
-            </a:r>
+              <a:t>Oda</a:t>
+            </a:r>
+            <a:r>
+              <a:rPr lang="tr-TR"/>
+              <a:t>: 335</a:t>
+            </a:r>
+            <a:endParaRPr lang="tr-TR" dirty="0"/>
           </a:p>
         </p:txBody>
       </p:sp>
@@ -6384,8 +6389,8 @@
           </a:p>
         </p:txBody>
       </p:sp>
-      <mc:AlternateContent xmlns:mc="http://schemas.openxmlformats.org/markup-compatibility/2006">
-        <mc:Choice xmlns:a14="http://schemas.microsoft.com/office/drawing/2010/main" Requires="a14">
+      <mc:AlternateContent xmlns:mc="http://schemas.openxmlformats.org/markup-compatibility/2006" xmlns:a14="http://schemas.microsoft.com/office/drawing/2010/main">
+        <mc:Choice Requires="a14">
           <p:sp>
             <p:nvSpPr>
               <p:cNvPr id="5" name="TextBox 4">
@@ -6485,7 +6490,7 @@
             </p:txBody>
           </p:sp>
         </mc:Choice>
-        <mc:Fallback>
+        <mc:Fallback xmlns="">
           <p:sp>
             <p:nvSpPr>
               <p:cNvPr id="5" name="TextBox 4">
@@ -7396,8 +7401,8 @@
           </a:p>
         </p:txBody>
       </p:sp>
-      <mc:AlternateContent xmlns:mc="http://schemas.openxmlformats.org/markup-compatibility/2006">
-        <mc:Choice xmlns:a14="http://schemas.microsoft.com/office/drawing/2010/main" Requires="a14">
+      <mc:AlternateContent xmlns:mc="http://schemas.openxmlformats.org/markup-compatibility/2006" xmlns:a14="http://schemas.microsoft.com/office/drawing/2010/main">
+        <mc:Choice Requires="a14">
           <p:sp>
             <p:nvSpPr>
               <p:cNvPr id="9" name="TextBox 8">
@@ -7466,7 +7471,7 @@
             </p:txBody>
           </p:sp>
         </mc:Choice>
-        <mc:Fallback>
+        <mc:Fallback xmlns="">
           <p:sp>
             <p:nvSpPr>
               <p:cNvPr id="9" name="TextBox 8">
@@ -7511,8 +7516,8 @@
           </p:sp>
         </mc:Fallback>
       </mc:AlternateContent>
-      <mc:AlternateContent xmlns:mc="http://schemas.openxmlformats.org/markup-compatibility/2006">
-        <mc:Choice xmlns:a14="http://schemas.microsoft.com/office/drawing/2010/main" Requires="a14">
+      <mc:AlternateContent xmlns:mc="http://schemas.openxmlformats.org/markup-compatibility/2006" xmlns:a14="http://schemas.microsoft.com/office/drawing/2010/main">
+        <mc:Choice Requires="a14">
           <p:sp>
             <p:nvSpPr>
               <p:cNvPr id="5" name="TextBox 4">
@@ -7581,7 +7586,7 @@
             </p:txBody>
           </p:sp>
         </mc:Choice>
-        <mc:Fallback>
+        <mc:Fallback xmlns="">
           <p:sp>
             <p:nvSpPr>
               <p:cNvPr id="5" name="TextBox 4">
